--- a/Programming 4/Assignment 1 Roguelike/Assessment (Roguelike) Overview.pptx
+++ b/Programming 4/Assignment 1 Roguelike/Assessment (Roguelike) Overview.pptx
@@ -219,7 +219,7 @@
           <a:p>
             <a:fld id="{5A5D9C48-5678-9443-958E-9EAAE3ED0F2B}" type="datetimeFigureOut">
               <a:rPr lang="en-US" smtClean="0"/>
-              <a:t>9/17/2019</a:t>
+              <a:t>9/18/2019</a:t>
             </a:fld>
             <a:endParaRPr lang="en-US"/>
           </a:p>
@@ -537,7 +537,11 @@
             </a:pPr>
             <a:r>
               <a:rPr lang="en-NZ" dirty="0" smtClean="0"/>
-              <a:t>Two important bits of logic for roguelikes. </a:t>
+              <a:t>Two important bits of logic for </a:t>
+            </a:r>
+            <a:r>
+              <a:rPr lang="en-NZ" dirty="0" smtClean="0"/>
+              <a:t>roguelikes</a:t>
             </a:r>
           </a:p>
           <a:p>
@@ -545,10 +549,25 @@
               <a:buFont typeface="Arial" panose="020B0604020202020204" pitchFamily="34" charset="0"/>
               <a:buChar char="•"/>
             </a:pPr>
+            <a:endParaRPr lang="en-NZ" dirty="0" smtClean="0"/>
+          </a:p>
+          <a:p>
+            <a:pPr marL="171450" indent="-171450">
+              <a:buFont typeface="Arial" panose="020B0604020202020204" pitchFamily="34" charset="0"/>
+              <a:buChar char="•"/>
+            </a:pPr>
             <a:r>
               <a:rPr lang="en-NZ" dirty="0" smtClean="0"/>
-              <a:t>Today we will talk about very basic algorithms for this functionality. These are the minimum requirements for the assignment.</a:t>
-            </a:r>
+              <a:t>Today we will talk about very basic algorithms for this functionality. These are the minimum requirements for the </a:t>
+            </a:r>
+            <a:r>
+              <a:rPr lang="en-NZ" dirty="0" smtClean="0"/>
+              <a:t>assignment</a:t>
+            </a:r>
+            <a:br>
+              <a:rPr lang="en-NZ" dirty="0" smtClean="0"/>
+            </a:br>
+            <a:endParaRPr lang="en-NZ" dirty="0" smtClean="0"/>
           </a:p>
           <a:p>
             <a:pPr marL="171450" indent="-171450">
@@ -557,8 +576,13 @@
             </a:pPr>
             <a:r>
               <a:rPr lang="en-NZ" dirty="0" smtClean="0"/>
-              <a:t>There are many, many more complicated ways to do both, and you are free to explore and experiment.</a:t>
-            </a:r>
+              <a:t>There are many, many more complicated ways to do both, and you are free to explore and </a:t>
+            </a:r>
+            <a:r>
+              <a:rPr lang="en-NZ" dirty="0" smtClean="0"/>
+              <a:t>experiment</a:t>
+            </a:r>
+            <a:endParaRPr lang="en-NZ" dirty="0" smtClean="0"/>
           </a:p>
         </p:txBody>
       </p:sp>
@@ -1059,8 +1083,19 @@
             </a:pPr>
             <a:r>
               <a:rPr lang="en-NZ" dirty="0" smtClean="0"/>
-              <a:t>We’ll look at the algorithm in detail in just a second.</a:t>
-            </a:r>
+              <a:t>We’ll look at the algorithm in detail in just a </a:t>
+            </a:r>
+            <a:r>
+              <a:rPr lang="en-NZ" dirty="0" smtClean="0"/>
+              <a:t>second</a:t>
+            </a:r>
+          </a:p>
+          <a:p>
+            <a:pPr marL="171450" indent="-171450">
+              <a:buFont typeface="Arial" panose="020B0604020202020204" pitchFamily="34" charset="0"/>
+              <a:buChar char="•"/>
+            </a:pPr>
+            <a:endParaRPr lang="en-NZ" dirty="0" smtClean="0"/>
           </a:p>
           <a:p>
             <a:pPr marL="171450" indent="-171450">
@@ -1910,7 +1945,7 @@
           <a:p>
             <a:fld id="{F8166F1F-CE9B-4651-A6AA-CD717754106B}" type="datetimeFigureOut">
               <a:rPr lang="en-US" smtClean="0"/>
-              <a:t>9/17/2019</a:t>
+              <a:t>9/18/2019</a:t>
             </a:fld>
             <a:endParaRPr lang="en-US"/>
           </a:p>
@@ -2075,7 +2110,7 @@
           <a:p>
             <a:fld id="{A76116CE-C4A3-4A05-B2D7-7C2E9A889C0F}" type="datetimeFigureOut">
               <a:rPr lang="en-US" smtClean="0"/>
-              <a:t>9/17/2019</a:t>
+              <a:t>9/18/2019</a:t>
             </a:fld>
             <a:endParaRPr lang="en-US"/>
           </a:p>
@@ -2250,7 +2285,7 @@
           <a:p>
             <a:fld id="{A76116CE-C4A3-4A05-B2D7-7C2E9A889C0F}" type="datetimeFigureOut">
               <a:rPr lang="en-US" smtClean="0"/>
-              <a:t>9/17/2019</a:t>
+              <a:t>9/18/2019</a:t>
             </a:fld>
             <a:endParaRPr lang="en-US"/>
           </a:p>
@@ -2417,7 +2452,7 @@
           <a:p>
             <a:fld id="{A76116CE-C4A3-4A05-B2D7-7C2E9A889C0F}" type="datetimeFigureOut">
               <a:rPr lang="en-US" smtClean="0"/>
-              <a:t>9/17/2019</a:t>
+              <a:t>9/18/2019</a:t>
             </a:fld>
             <a:endParaRPr lang="en-US"/>
           </a:p>
@@ -2658,7 +2693,7 @@
           <a:p>
             <a:fld id="{A76116CE-C4A3-4A05-B2D7-7C2E9A889C0F}" type="datetimeFigureOut">
               <a:rPr lang="en-US" smtClean="0"/>
-              <a:t>9/17/2019</a:t>
+              <a:t>9/18/2019</a:t>
             </a:fld>
             <a:endParaRPr lang="en-US"/>
           </a:p>
@@ -2941,7 +2976,7 @@
           <a:p>
             <a:fld id="{A76116CE-C4A3-4A05-B2D7-7C2E9A889C0F}" type="datetimeFigureOut">
               <a:rPr lang="en-US" smtClean="0"/>
-              <a:t>9/17/2019</a:t>
+              <a:t>9/18/2019</a:t>
             </a:fld>
             <a:endParaRPr lang="en-US"/>
           </a:p>
@@ -3358,7 +3393,7 @@
           <a:p>
             <a:fld id="{A76116CE-C4A3-4A05-B2D7-7C2E9A889C0F}" type="datetimeFigureOut">
               <a:rPr lang="en-US" smtClean="0"/>
-              <a:t>9/17/2019</a:t>
+              <a:t>9/18/2019</a:t>
             </a:fld>
             <a:endParaRPr lang="en-US"/>
           </a:p>
@@ -3471,7 +3506,7 @@
           <a:p>
             <a:fld id="{A76116CE-C4A3-4A05-B2D7-7C2E9A889C0F}" type="datetimeFigureOut">
               <a:rPr lang="en-US" smtClean="0"/>
-              <a:t>9/17/2019</a:t>
+              <a:t>9/18/2019</a:t>
             </a:fld>
             <a:endParaRPr lang="en-US"/>
           </a:p>
@@ -3561,7 +3596,7 @@
           <a:p>
             <a:fld id="{A76116CE-C4A3-4A05-B2D7-7C2E9A889C0F}" type="datetimeFigureOut">
               <a:rPr lang="en-US" smtClean="0"/>
-              <a:t>9/17/2019</a:t>
+              <a:t>9/18/2019</a:t>
             </a:fld>
             <a:endParaRPr lang="en-US"/>
           </a:p>
@@ -3833,7 +3868,7 @@
           <a:p>
             <a:fld id="{A76116CE-C4A3-4A05-B2D7-7C2E9A889C0F}" type="datetimeFigureOut">
               <a:rPr lang="en-US" smtClean="0"/>
-              <a:t>9/17/2019</a:t>
+              <a:t>9/18/2019</a:t>
             </a:fld>
             <a:endParaRPr lang="en-US"/>
           </a:p>
@@ -4081,7 +4116,7 @@
           <a:p>
             <a:fld id="{A76116CE-C4A3-4A05-B2D7-7C2E9A889C0F}" type="datetimeFigureOut">
               <a:rPr lang="en-US" smtClean="0"/>
-              <a:t>9/17/2019</a:t>
+              <a:t>9/18/2019</a:t>
             </a:fld>
             <a:endParaRPr lang="en-US"/>
           </a:p>
@@ -4289,7 +4324,7 @@
           <a:p>
             <a:fld id="{F8166F1F-CE9B-4651-A6AA-CD717754106B}" type="datetimeFigureOut">
               <a:rPr lang="en-US" smtClean="0"/>
-              <a:t>9/17/2019</a:t>
+              <a:t>9/18/2019</a:t>
             </a:fld>
             <a:endParaRPr lang="en-US"/>
           </a:p>
@@ -4709,7 +4744,6 @@
               <a:rPr lang="en-US" sz="4000" b="1" dirty="0" smtClean="0"/>
               <a:t>Algorithms For Roguelike Games</a:t>
             </a:r>
-            <a:endParaRPr lang="en-US" sz="4000" b="1" dirty="0" smtClean="0"/>
           </a:p>
           <a:p>
             <a:pPr algn="ctr"/>
@@ -5375,7 +5409,6 @@
               <a:rPr lang="en-US" sz="2500" dirty="0" smtClean="0"/>
               <a:t>Combat</a:t>
             </a:r>
-            <a:endParaRPr lang="en-US" sz="2500" dirty="0" smtClean="0"/>
           </a:p>
           <a:p>
             <a:pPr marL="1657350" lvl="2" indent="-742950">
